--- a/PT-2/39110235-GOVARDHAN(HCL)-ppt.pptx
+++ b/PT-2/39110235-GOVARDHAN(HCL)-ppt.pptx
@@ -3986,7 +3986,7 @@
         <p:spPr>
           <a:xfrm>
             <a:off x="838199" y="3360435"/>
-            <a:ext cx="7619507" cy="1938020"/>
+            <a:ext cx="7619507" cy="2491740"/>
           </a:xfrm>
           <a:prstGeom prst="rect">
             <a:avLst/>
@@ -4083,6 +4083,24 @@
                 <a:cs typeface="Arial" panose="020B0604020202020204" pitchFamily="34" charset="0"/>
               </a:rPr>
               <a:t>35</a:t>
+            </a:r>
+            <a:endParaRPr lang="en-IN" altLang="en-US" sz="2400" dirty="0">
+              <a:latin typeface="Baskerville Old Face" panose="02020602080505020303" pitchFamily="18" charset="0"/>
+              <a:cs typeface="Arial" panose="020B0604020202020204" pitchFamily="34" charset="0"/>
+            </a:endParaRPr>
+          </a:p>
+          <a:p>
+            <a:pPr>
+              <a:lnSpc>
+                <a:spcPct val="150000"/>
+              </a:lnSpc>
+            </a:pPr>
+            <a:r>
+              <a:rPr lang="en-IN" altLang="en-US" sz="2400" dirty="0">
+                <a:latin typeface="Baskerville Old Face" panose="02020602080505020303" pitchFamily="18" charset="0"/>
+                <a:cs typeface="Arial" panose="020B0604020202020204" pitchFamily="34" charset="0"/>
+              </a:rPr>
+              <a:t>Branch: CSE</a:t>
             </a:r>
             <a:endParaRPr lang="en-IN" altLang="en-US" sz="2400" dirty="0">
               <a:latin typeface="Baskerville Old Face" panose="02020602080505020303" pitchFamily="18" charset="0"/>
@@ -4943,6 +4961,32 @@
           </a:p>
         </p:txBody>
       </p:sp>
+      <p:pic>
+        <p:nvPicPr>
+          <p:cNvPr id="7" name="Content Placeholder 6" descr="Sathyabama_Institute_of_Science_and_Technology_logo"/>
+          <p:cNvPicPr>
+            <a:picLocks noChangeAspect="1"/>
+          </p:cNvPicPr>
+          <p:nvPr>
+            <p:ph sz="half" idx="2"/>
+          </p:nvPr>
+        </p:nvPicPr>
+        <p:blipFill>
+          <a:blip r:embed="rId1"/>
+          <a:stretch>
+            <a:fillRect/>
+          </a:stretch>
+        </p:blipFill>
+        <p:spPr>
+          <a:xfrm>
+            <a:off x="7543800" y="304800"/>
+            <a:ext cx="1151255" cy="810260"/>
+          </a:xfrm>
+          <a:prstGeom prst="rect">
+            <a:avLst/>
+          </a:prstGeom>
+        </p:spPr>
+      </p:pic>
     </p:spTree>
   </p:cSld>
   <p:clrMapOvr>
@@ -5166,6 +5210,32 @@
           </a:p>
         </p:txBody>
       </p:sp>
+      <p:pic>
+        <p:nvPicPr>
+          <p:cNvPr id="2" name="Content Placeholder 1" descr="Sathyabama_Institute_of_Science_and_Technology_logo"/>
+          <p:cNvPicPr>
+            <a:picLocks noChangeAspect="1"/>
+          </p:cNvPicPr>
+          <p:nvPr>
+            <p:ph sz="half" idx="2"/>
+          </p:nvPr>
+        </p:nvPicPr>
+        <p:blipFill>
+          <a:blip r:embed="rId2"/>
+          <a:stretch>
+            <a:fillRect/>
+          </a:stretch>
+        </p:blipFill>
+        <p:spPr>
+          <a:xfrm>
+            <a:off x="7543800" y="304800"/>
+            <a:ext cx="1151255" cy="810260"/>
+          </a:xfrm>
+          <a:prstGeom prst="rect">
+            <a:avLst/>
+          </a:prstGeom>
+        </p:spPr>
+      </p:pic>
     </p:spTree>
   </p:cSld>
   <p:clrMapOvr>
@@ -5314,6 +5384,32 @@
           </a:prstGeom>
         </p:spPr>
       </p:pic>
+      <p:pic>
+        <p:nvPicPr>
+          <p:cNvPr id="3" name="Content Placeholder 2" descr="Sathyabama_Institute_of_Science_and_Technology_logo"/>
+          <p:cNvPicPr>
+            <a:picLocks noChangeAspect="1"/>
+          </p:cNvPicPr>
+          <p:nvPr>
+            <p:ph sz="half" idx="2"/>
+          </p:nvPr>
+        </p:nvPicPr>
+        <p:blipFill>
+          <a:blip r:embed="rId2"/>
+          <a:stretch>
+            <a:fillRect/>
+          </a:stretch>
+        </p:blipFill>
+        <p:spPr>
+          <a:xfrm>
+            <a:off x="7543800" y="304800"/>
+            <a:ext cx="1151255" cy="810260"/>
+          </a:xfrm>
+          <a:prstGeom prst="rect">
+            <a:avLst/>
+          </a:prstGeom>
+        </p:spPr>
+      </p:pic>
     </p:spTree>
   </p:cSld>
   <p:clrMapOvr>
@@ -5506,6 +5602,30 @@
           <a:xfrm>
             <a:off x="662940" y="1903730"/>
             <a:ext cx="7639050" cy="4222750"/>
+          </a:xfrm>
+          <a:prstGeom prst="rect">
+            <a:avLst/>
+          </a:prstGeom>
+        </p:spPr>
+      </p:pic>
+      <p:pic>
+        <p:nvPicPr>
+          <p:cNvPr id="4" name="Content Placeholder 1" descr="Sathyabama_Institute_of_Science_and_Technology_logo"/>
+          <p:cNvPicPr>
+            <a:picLocks noChangeAspect="1"/>
+          </p:cNvPicPr>
+          <p:nvPr/>
+        </p:nvPicPr>
+        <p:blipFill>
+          <a:blip r:embed="rId2"/>
+          <a:stretch>
+            <a:fillRect/>
+          </a:stretch>
+        </p:blipFill>
+        <p:spPr>
+          <a:xfrm>
+            <a:off x="7543800" y="304800"/>
+            <a:ext cx="1151255" cy="810260"/>
           </a:xfrm>
           <a:prstGeom prst="rect">
             <a:avLst/>
@@ -5698,6 +5818,32 @@
           </a:p>
         </p:txBody>
       </p:sp>
+      <p:pic>
+        <p:nvPicPr>
+          <p:cNvPr id="2" name="Content Placeholder 1" descr="Sathyabama_Institute_of_Science_and_Technology_logo"/>
+          <p:cNvPicPr>
+            <a:picLocks noChangeAspect="1"/>
+          </p:cNvPicPr>
+          <p:nvPr>
+            <p:ph sz="half" idx="2"/>
+          </p:nvPr>
+        </p:nvPicPr>
+        <p:blipFill>
+          <a:blip r:embed="rId1"/>
+          <a:stretch>
+            <a:fillRect/>
+          </a:stretch>
+        </p:blipFill>
+        <p:spPr>
+          <a:xfrm>
+            <a:off x="7543800" y="304800"/>
+            <a:ext cx="1151255" cy="810260"/>
+          </a:xfrm>
+          <a:prstGeom prst="rect">
+            <a:avLst/>
+          </a:prstGeom>
+        </p:spPr>
+      </p:pic>
     </p:spTree>
   </p:cSld>
   <p:clrMapOvr>
@@ -5927,6 +6073,32 @@
           </a:p>
         </p:txBody>
       </p:sp>
+      <p:pic>
+        <p:nvPicPr>
+          <p:cNvPr id="7" name="Content Placeholder 6" descr="Sathyabama_Institute_of_Science_and_Technology_logo"/>
+          <p:cNvPicPr>
+            <a:picLocks noChangeAspect="1"/>
+          </p:cNvPicPr>
+          <p:nvPr>
+            <p:ph sz="half" idx="2"/>
+          </p:nvPr>
+        </p:nvPicPr>
+        <p:blipFill>
+          <a:blip r:embed="rId1"/>
+          <a:stretch>
+            <a:fillRect/>
+          </a:stretch>
+        </p:blipFill>
+        <p:spPr>
+          <a:xfrm>
+            <a:off x="7543800" y="304800"/>
+            <a:ext cx="1151255" cy="810260"/>
+          </a:xfrm>
+          <a:prstGeom prst="rect">
+            <a:avLst/>
+          </a:prstGeom>
+        </p:spPr>
+      </p:pic>
     </p:spTree>
   </p:cSld>
   <p:clrMapOvr>
@@ -6767,6 +6939,32 @@
           </a:graphicData>
         </a:graphic>
       </p:graphicFrame>
+      <p:pic>
+        <p:nvPicPr>
+          <p:cNvPr id="2" name="Content Placeholder 1" descr="Sathyabama_Institute_of_Science_and_Technology_logo"/>
+          <p:cNvPicPr>
+            <a:picLocks noChangeAspect="1"/>
+          </p:cNvPicPr>
+          <p:nvPr>
+            <p:ph sz="half" idx="2"/>
+          </p:nvPr>
+        </p:nvPicPr>
+        <p:blipFill>
+          <a:blip r:embed="rId1"/>
+          <a:stretch>
+            <a:fillRect/>
+          </a:stretch>
+        </p:blipFill>
+        <p:spPr>
+          <a:xfrm>
+            <a:off x="7543800" y="304800"/>
+            <a:ext cx="1151255" cy="810260"/>
+          </a:xfrm>
+          <a:prstGeom prst="rect">
+            <a:avLst/>
+          </a:prstGeom>
+        </p:spPr>
+      </p:pic>
     </p:spTree>
   </p:cSld>
   <p:clrMapOvr>
@@ -6814,9 +7012,16 @@
             <p:ph type="title"/>
           </p:nvPr>
         </p:nvSpPr>
-        <p:spPr/>
-        <p:txBody>
-          <a:bodyPr/>
+        <p:spPr>
+          <a:xfrm>
+            <a:off x="299085" y="228600"/>
+            <a:ext cx="8229600" cy="886460"/>
+          </a:xfrm>
+        </p:spPr>
+        <p:txBody>
+          <a:bodyPr>
+            <a:normAutofit/>
+          </a:bodyPr>
           <a:p>
             <a:endParaRPr lang="en-US"/>
           </a:p>
@@ -7030,6 +7235,30 @@
           </a:prstGeom>
         </p:spPr>
       </p:pic>
+      <p:pic>
+        <p:nvPicPr>
+          <p:cNvPr id="7" name="Content Placeholder 1" descr="Sathyabama_Institute_of_Science_and_Technology_logo"/>
+          <p:cNvPicPr>
+            <a:picLocks noChangeAspect="1"/>
+          </p:cNvPicPr>
+          <p:nvPr/>
+        </p:nvPicPr>
+        <p:blipFill>
+          <a:blip r:embed="rId2"/>
+          <a:stretch>
+            <a:fillRect/>
+          </a:stretch>
+        </p:blipFill>
+        <p:spPr>
+          <a:xfrm>
+            <a:off x="7543800" y="304800"/>
+            <a:ext cx="1151255" cy="810260"/>
+          </a:xfrm>
+          <a:prstGeom prst="rect">
+            <a:avLst/>
+          </a:prstGeom>
+        </p:spPr>
+      </p:pic>
     </p:spTree>
   </p:cSld>
   <p:clrMapOvr>
@@ -7319,7 +7548,7 @@
         </p:blipFill>
         <p:spPr>
           <a:xfrm>
-            <a:off x="7543800" y="304800"/>
+            <a:off x="7467600" y="304800"/>
             <a:ext cx="1151255" cy="810260"/>
           </a:xfrm>
           <a:prstGeom prst="rect">
@@ -7369,7 +7598,7 @@
         </p:spPr>
         <p:txBody>
           <a:bodyPr vert="horz" lIns="91440" tIns="45720" rIns="91440" bIns="45720" rtlCol="0" anchor="ctr">
-            <a:normAutofit fontScale="92500" lnSpcReduction="10000"/>
+            <a:normAutofit fontScale="82500"/>
           </a:bodyPr>
           <a:lstStyle>
             <a:lvl1pPr algn="ctr" defTabSz="914400" rtl="0" eaLnBrk="1" latinLnBrk="0" hangingPunct="1">
@@ -7643,6 +7872,32 @@
           </a:p>
         </p:txBody>
       </p:sp>
+      <p:pic>
+        <p:nvPicPr>
+          <p:cNvPr id="2" name="Content Placeholder 1" descr="Sathyabama_Institute_of_Science_and_Technology_logo"/>
+          <p:cNvPicPr>
+            <a:picLocks noChangeAspect="1"/>
+          </p:cNvPicPr>
+          <p:nvPr>
+            <p:ph sz="half" idx="2"/>
+          </p:nvPr>
+        </p:nvPicPr>
+        <p:blipFill>
+          <a:blip r:embed="rId1"/>
+          <a:stretch>
+            <a:fillRect/>
+          </a:stretch>
+        </p:blipFill>
+        <p:spPr>
+          <a:xfrm>
+            <a:off x="7543800" y="304800"/>
+            <a:ext cx="1151255" cy="810260"/>
+          </a:xfrm>
+          <a:prstGeom prst="rect">
+            <a:avLst/>
+          </a:prstGeom>
+        </p:spPr>
+      </p:pic>
     </p:spTree>
   </p:cSld>
   <p:clrMapOvr>
@@ -8709,12 +8964,12 @@
       </p:sp>
       <p:pic>
         <p:nvPicPr>
-          <p:cNvPr id="11" name="Content Placeholder 10" descr="Screenshot (392)"/>
+          <p:cNvPr id="3" name="Content Placeholder 2" descr="Sathyabama_Institute_of_Science_and_Technology_logo"/>
           <p:cNvPicPr>
             <a:picLocks noChangeAspect="1"/>
           </p:cNvPicPr>
           <p:nvPr>
-            <p:ph idx="1"/>
+            <p:ph sz="half" idx="2"/>
           </p:nvPr>
         </p:nvPicPr>
         <p:blipFill>
@@ -8725,8 +8980,51 @@
         </p:blipFill>
         <p:spPr>
           <a:xfrm>
-            <a:off x="1252220" y="1600200"/>
-            <a:ext cx="6638925" cy="4526280"/>
+            <a:off x="7543800" y="304800"/>
+            <a:ext cx="1151255" cy="810260"/>
+          </a:xfrm>
+          <a:prstGeom prst="rect">
+            <a:avLst/>
+          </a:prstGeom>
+        </p:spPr>
+      </p:pic>
+      <p:sp>
+        <p:nvSpPr>
+          <p:cNvPr id="9" name="Content Placeholder 8"/>
+          <p:cNvSpPr/>
+          <p:nvPr>
+            <p:ph idx="1"/>
+          </p:nvPr>
+        </p:nvSpPr>
+        <p:spPr/>
+        <p:txBody>
+          <a:bodyPr/>
+          <a:p>
+            <a:pPr marL="0" indent="0">
+              <a:buNone/>
+            </a:pPr>
+            <a:endParaRPr lang="en-US"/>
+          </a:p>
+        </p:txBody>
+      </p:sp>
+      <p:pic>
+        <p:nvPicPr>
+          <p:cNvPr id="10" name="Picture 9" descr="1_BVBQ-uiAOYB9LthbSoiUUA"/>
+          <p:cNvPicPr>
+            <a:picLocks noChangeAspect="1"/>
+          </p:cNvPicPr>
+          <p:nvPr/>
+        </p:nvPicPr>
+        <p:blipFill>
+          <a:blip r:embed="rId2"/>
+          <a:stretch>
+            <a:fillRect/>
+          </a:stretch>
+        </p:blipFill>
+        <p:spPr>
+          <a:xfrm>
+            <a:off x="548640" y="1394460"/>
+            <a:ext cx="7333615" cy="4876800"/>
           </a:xfrm>
           <a:prstGeom prst="rect">
             <a:avLst/>
